--- a/Lecture/wk1(1).pptx
+++ b/Lecture/wk1(1).pptx
@@ -211,7 +211,7 @@
           <a:p>
             <a:fld id="{C23EC501-AE68-4BE2-8FFC-24A4E3E24E8E}" type="datetimeFigureOut">
               <a:rPr lang="en-US" smtClean="0"/>
-              <a:t>1/8/2020</a:t>
+              <a:t>2/20/21</a:t>
             </a:fld>
             <a:endParaRPr lang="en-US"/>
           </a:p>
@@ -565,7 +565,7 @@
           <a:p>
             <a:fld id="{FDE859E3-54BE-4917-800A-6383E5FDAE0D}" type="datetime5">
               <a:rPr lang="en-US" smtClean="0"/>
-              <a:t>8-Jan-20</a:t>
+              <a:t>20-Feb-21</a:t>
             </a:fld>
             <a:endParaRPr lang="en-CA" dirty="0"/>
           </a:p>
@@ -721,7 +721,7 @@
           <a:p>
             <a:fld id="{FDE859E3-54BE-4917-800A-6383E5FDAE0D}" type="datetime5">
               <a:rPr lang="en-US" smtClean="0"/>
-              <a:t>8-Jan-20</a:t>
+              <a:t>20-Feb-21</a:t>
             </a:fld>
             <a:endParaRPr lang="en-CA" dirty="0"/>
           </a:p>
@@ -937,7 +937,7 @@
           <a:p>
             <a:fld id="{84BB3998-985A-4D94-B13E-1B64131194E0}" type="datetimeFigureOut">
               <a:rPr lang="en-US" smtClean="0"/>
-              <a:t>1/8/2020</a:t>
+              <a:t>2/20/21</a:t>
             </a:fld>
             <a:endParaRPr lang="en-US"/>
           </a:p>
@@ -1135,7 +1135,7 @@
           <a:p>
             <a:fld id="{84BB3998-985A-4D94-B13E-1B64131194E0}" type="datetimeFigureOut">
               <a:rPr lang="en-US" smtClean="0"/>
-              <a:t>1/8/2020</a:t>
+              <a:t>2/20/21</a:t>
             </a:fld>
             <a:endParaRPr lang="en-US"/>
           </a:p>
@@ -1343,7 +1343,7 @@
           <a:p>
             <a:fld id="{84BB3998-985A-4D94-B13E-1B64131194E0}" type="datetimeFigureOut">
               <a:rPr lang="en-US" smtClean="0"/>
-              <a:t>1/8/2020</a:t>
+              <a:t>2/20/21</a:t>
             </a:fld>
             <a:endParaRPr lang="en-US"/>
           </a:p>
@@ -1541,7 +1541,7 @@
           <a:p>
             <a:fld id="{84BB3998-985A-4D94-B13E-1B64131194E0}" type="datetimeFigureOut">
               <a:rPr lang="en-US" smtClean="0"/>
-              <a:t>1/8/2020</a:t>
+              <a:t>2/20/21</a:t>
             </a:fld>
             <a:endParaRPr lang="en-US"/>
           </a:p>
@@ -1816,7 +1816,7 @@
           <a:p>
             <a:fld id="{84BB3998-985A-4D94-B13E-1B64131194E0}" type="datetimeFigureOut">
               <a:rPr lang="en-US" smtClean="0"/>
-              <a:t>1/8/2020</a:t>
+              <a:t>2/20/21</a:t>
             </a:fld>
             <a:endParaRPr lang="en-US"/>
           </a:p>
@@ -2081,7 +2081,7 @@
           <a:p>
             <a:fld id="{84BB3998-985A-4D94-B13E-1B64131194E0}" type="datetimeFigureOut">
               <a:rPr lang="en-US" smtClean="0"/>
-              <a:t>1/8/2020</a:t>
+              <a:t>2/20/21</a:t>
             </a:fld>
             <a:endParaRPr lang="en-US"/>
           </a:p>
@@ -2493,7 +2493,7 @@
           <a:p>
             <a:fld id="{84BB3998-985A-4D94-B13E-1B64131194E0}" type="datetimeFigureOut">
               <a:rPr lang="en-US" smtClean="0"/>
-              <a:t>1/8/2020</a:t>
+              <a:t>2/20/21</a:t>
             </a:fld>
             <a:endParaRPr lang="en-US"/>
           </a:p>
@@ -2634,7 +2634,7 @@
           <a:p>
             <a:fld id="{84BB3998-985A-4D94-B13E-1B64131194E0}" type="datetimeFigureOut">
               <a:rPr lang="en-US" smtClean="0"/>
-              <a:t>1/8/2020</a:t>
+              <a:t>2/20/21</a:t>
             </a:fld>
             <a:endParaRPr lang="en-US"/>
           </a:p>
@@ -2747,7 +2747,7 @@
           <a:p>
             <a:fld id="{84BB3998-985A-4D94-B13E-1B64131194E0}" type="datetimeFigureOut">
               <a:rPr lang="en-US" smtClean="0"/>
-              <a:t>1/8/2020</a:t>
+              <a:t>2/20/21</a:t>
             </a:fld>
             <a:endParaRPr lang="en-US"/>
           </a:p>
@@ -3058,7 +3058,7 @@
           <a:p>
             <a:fld id="{84BB3998-985A-4D94-B13E-1B64131194E0}" type="datetimeFigureOut">
               <a:rPr lang="en-US" smtClean="0"/>
-              <a:t>1/8/2020</a:t>
+              <a:t>2/20/21</a:t>
             </a:fld>
             <a:endParaRPr lang="en-US"/>
           </a:p>
@@ -3346,7 +3346,7 @@
           <a:p>
             <a:fld id="{84BB3998-985A-4D94-B13E-1B64131194E0}" type="datetimeFigureOut">
               <a:rPr lang="en-US" smtClean="0"/>
-              <a:t>1/8/2020</a:t>
+              <a:t>2/20/21</a:t>
             </a:fld>
             <a:endParaRPr lang="en-US"/>
           </a:p>
@@ -3587,7 +3587,7 @@
           <a:p>
             <a:fld id="{84BB3998-985A-4D94-B13E-1B64131194E0}" type="datetimeFigureOut">
               <a:rPr lang="en-US" smtClean="0"/>
-              <a:t>1/8/2020</a:t>
+              <a:t>2/20/21</a:t>
             </a:fld>
             <a:endParaRPr lang="en-US"/>
           </a:p>
@@ -4162,7 +4162,11 @@
               <a:buNone/>
             </a:pPr>
             <a:r>
-              <a:rPr lang="en-CA" dirty="0"/>
+              <a:rPr lang="en-CA" dirty="0">
+                <a:highlight>
+                  <a:srgbClr val="FFFF00"/>
+                </a:highlight>
+              </a:rPr>
               <a:t>Risk</a:t>
             </a:r>
           </a:p>
@@ -4193,7 +4197,11 @@
               <a:buNone/>
             </a:pPr>
             <a:r>
-              <a:rPr lang="en-CA" dirty="0"/>
+              <a:rPr lang="en-CA" dirty="0">
+                <a:highlight>
+                  <a:srgbClr val="FFFF00"/>
+                </a:highlight>
+              </a:rPr>
               <a:t>Asset</a:t>
             </a:r>
           </a:p>
@@ -4209,7 +4217,11 @@
               <a:buNone/>
             </a:pPr>
             <a:r>
-              <a:rPr lang="en-CA" dirty="0"/>
+              <a:rPr lang="en-CA" dirty="0">
+                <a:highlight>
+                  <a:srgbClr val="FFFF00"/>
+                </a:highlight>
+              </a:rPr>
               <a:t>Threat</a:t>
             </a:r>
           </a:p>
@@ -4337,7 +4349,11 @@
               <a:buNone/>
             </a:pPr>
             <a:r>
-              <a:rPr lang="en-CA" dirty="0"/>
+              <a:rPr lang="en-CA" dirty="0">
+                <a:highlight>
+                  <a:srgbClr val="FFFF00"/>
+                </a:highlight>
+              </a:rPr>
               <a:t>Vulnerability</a:t>
             </a:r>
           </a:p>
@@ -4354,7 +4370,11 @@
               <a:buNone/>
             </a:pPr>
             <a:r>
-              <a:rPr lang="en-CA" dirty="0"/>
+              <a:rPr lang="en-CA" dirty="0">
+                <a:highlight>
+                  <a:srgbClr val="FFFF00"/>
+                </a:highlight>
+              </a:rPr>
               <a:t>Exploit</a:t>
             </a:r>
           </a:p>
@@ -4371,7 +4391,11 @@
               <a:buNone/>
             </a:pPr>
             <a:r>
-              <a:rPr lang="en-CA" dirty="0"/>
+              <a:rPr lang="en-CA" dirty="0">
+                <a:highlight>
+                  <a:srgbClr val="FFFF00"/>
+                </a:highlight>
+              </a:rPr>
               <a:t>Countermeasure</a:t>
             </a:r>
           </a:p>
@@ -4438,10 +4462,18 @@
           <a:lstStyle/>
           <a:p>
             <a:r>
-              <a:rPr lang="en-US" dirty="0"/>
+              <a:rPr lang="en-US" dirty="0">
+                <a:highlight>
+                  <a:srgbClr val="FFFF00"/>
+                </a:highlight>
+              </a:rPr>
               <a:t>Simplified Risk Management Model</a:t>
             </a:r>
-            <a:endParaRPr lang="en-CA" dirty="0"/>
+            <a:endParaRPr lang="en-CA" dirty="0">
+              <a:highlight>
+                <a:srgbClr val="FFFF00"/>
+              </a:highlight>
+            </a:endParaRPr>
           </a:p>
         </p:txBody>
       </p:sp>
@@ -7050,20 +7082,19 @@
           <a:p>
             <a:pPr lvl="1"/>
             <a:r>
+              <a:rPr lang="en-US" dirty="0">
+                <a:highlight>
+                  <a:srgbClr val="FFFF00"/>
+                </a:highlight>
+              </a:rPr>
+              <a:t>Confidentiality, Integrity, Availability (CIA)</a:t>
+            </a:r>
+          </a:p>
+          <a:p>
+            <a:r>
               <a:rPr lang="en-US" dirty="0"/>
-              <a:t>Confidentiality, Integrity, Availability (CIA)</a:t>
-            </a:r>
-          </a:p>
-          <a:p>
-            <a:r>
-              <a:rPr lang="en-US" dirty="0"/>
-              <a:t>Comparison</a:t>
-            </a:r>
-            <a:r>
-              <a:rPr lang="en-US"/>
-              <a:t>: Square</a:t>
-            </a:r>
-            <a:endParaRPr lang="en-US" dirty="0"/>
+              <a:t>Comparison: Square</a:t>
+            </a:r>
           </a:p>
           <a:p>
             <a:pPr lvl="1"/>
@@ -7102,14 +7133,22 @@
           <a:p>
             <a:pPr lvl="1"/>
             <a:r>
-              <a:rPr lang="en-US" dirty="0"/>
+              <a:rPr lang="en-US" dirty="0">
+                <a:highlight>
+                  <a:srgbClr val="FFFF00"/>
+                </a:highlight>
+              </a:rPr>
               <a:t>What happens if no integrity</a:t>
             </a:r>
           </a:p>
           <a:p>
             <a:pPr lvl="2"/>
             <a:r>
-              <a:rPr lang="en-US" dirty="0"/>
+              <a:rPr lang="en-US" dirty="0">
+                <a:highlight>
+                  <a:srgbClr val="FFFF00"/>
+                </a:highlight>
+              </a:rPr>
               <a:t>Volatile </a:t>
             </a:r>
           </a:p>
@@ -7170,7 +7209,11 @@
           <a:lstStyle/>
           <a:p>
             <a:r>
-              <a:rPr lang="en-US" dirty="0"/>
+              <a:rPr lang="en-US" dirty="0">
+                <a:highlight>
+                  <a:srgbClr val="FFFF00"/>
+                </a:highlight>
+              </a:rPr>
               <a:t>CIA Triad</a:t>
             </a:r>
           </a:p>
